--- a/DESIGN_DOCUMENTATION/Design Plan.pptx
+++ b/DESIGN_DOCUMENTATION/Design Plan.pptx
@@ -5930,11 +5930,7 @@
           <a:p>
             <a:r>
               <a:rPr lang="en-US" dirty="0" smtClean="0"/>
-              <a:t>Members: </a:t>
-            </a:r>
-            <a:r>
-              <a:rPr lang="en-US" dirty="0" smtClean="0"/>
-              <a:t>Jeremy Doll, Ahmad Mostafa, </a:t>
+              <a:t>Members: Jeremy Doll, Ahmad Mostafa, </a:t>
             </a:r>
             <a:r>
               <a:rPr lang="en-US" dirty="0" err="1" smtClean="0"/>
@@ -6079,15 +6075,7 @@
             </a:r>
             <a:r>
               <a:rPr lang="en-US" sz="1300" dirty="0" smtClean="0"/>
-              <a:t>adjusted </a:t>
-            </a:r>
-            <a:r>
-              <a:rPr lang="en-US" sz="1300" dirty="0" smtClean="0"/>
-              <a:t>to</a:t>
-            </a:r>
-            <a:r>
-              <a:rPr lang="en-US" sz="1300" dirty="0" smtClean="0"/>
-              <a:t> </a:t>
+              <a:t>adjusted to </a:t>
             </a:r>
             <a:r>
               <a:rPr lang="en-US" sz="1300" dirty="0"/>
@@ -6334,11 +6322,7 @@
             </a:r>
             <a:r>
               <a:rPr lang="en-US" sz="1300" dirty="0" smtClean="0"/>
-              <a:t>        </a:t>
-            </a:r>
-            <a:r>
-              <a:rPr lang="en-US" sz="1300" dirty="0" smtClean="0"/>
-              <a:t>Bluetooth module to a data stream readable by the Teensy 3.2.</a:t>
+              <a:t>        Bluetooth module to a data stream readable by the Teensy 3.2.</a:t>
             </a:r>
             <a:endParaRPr lang="en-US" sz="1300" dirty="0"/>
           </a:p>
@@ -6459,15 +6443,7 @@
             </a:r>
             <a:r>
               <a:rPr lang="en-US" sz="1400" dirty="0" smtClean="0"/>
-              <a:t>Signal from </a:t>
-            </a:r>
-            <a:r>
-              <a:rPr lang="en-US" sz="1400" dirty="0" smtClean="0"/>
-              <a:t>audio source</a:t>
-            </a:r>
-            <a:r>
-              <a:rPr lang="en-US" sz="1400" dirty="0" smtClean="0"/>
-              <a:t> </a:t>
+              <a:t>Signal from audio source </a:t>
             </a:r>
             <a:r>
               <a:rPr lang="en-US" sz="1400" dirty="0"/>
@@ -6583,11 +6559,7 @@
             </a:r>
             <a:r>
               <a:rPr lang="is-IS" sz="1400" dirty="0" smtClean="0"/>
-              <a:t>with</a:t>
-            </a:r>
-            <a:r>
-              <a:rPr lang="is-IS" sz="1400" dirty="0" smtClean="0"/>
-              <a:t> </a:t>
+              <a:t>with </a:t>
             </a:r>
             <a:r>
               <a:rPr lang="is-IS" sz="1400" dirty="0"/>
@@ -6660,11 +6632,7 @@
             </a:pPr>
             <a:r>
               <a:rPr lang="is-IS" dirty="0" smtClean="0"/>
-              <a:t>Digital filters are applied to</a:t>
-            </a:r>
-            <a:r>
-              <a:rPr lang="is-IS" dirty="0" smtClean="0"/>
-              <a:t> </a:t>
+              <a:t>Digital filters are applied to </a:t>
             </a:r>
             <a:r>
               <a:rPr lang="is-IS" dirty="0"/>
@@ -6706,11 +6674,7 @@
             </a:r>
             <a:r>
               <a:rPr lang="is-IS" dirty="0" smtClean="0"/>
-              <a:t>a selected</a:t>
-            </a:r>
-            <a:r>
-              <a:rPr lang="is-IS" dirty="0" smtClean="0"/>
-              <a:t> threshold, </a:t>
+              <a:t>a selected threshold, </a:t>
             </a:r>
             <a:r>
               <a:rPr lang="is-IS" dirty="0"/>
@@ -6905,7 +6869,6 @@
               <a:rPr lang="en-US" dirty="0" smtClean="0"/>
               <a:t>colors.</a:t>
             </a:r>
-            <a:endParaRPr lang="en-US" dirty="0" smtClean="0"/>
           </a:p>
           <a:p>
             <a:r>
@@ -6918,11 +6881,7 @@
             <a:pPr lvl="1"/>
             <a:r>
               <a:rPr lang="en-US" dirty="0" smtClean="0"/>
-              <a:t>Assemble list of required parts and order the </a:t>
-            </a:r>
-            <a:r>
-              <a:rPr lang="en-US" dirty="0" smtClean="0"/>
-              <a:t>parts. </a:t>
+              <a:t>Assemble list of required parts and order the parts. </a:t>
             </a:r>
             <a:endParaRPr lang="en-US" dirty="0"/>
           </a:p>
@@ -6942,11 +6901,7 @@
             </a:r>
             <a:r>
               <a:rPr lang="en-US" dirty="0" smtClean="0"/>
-              <a:t>voltage step up/down </a:t>
-            </a:r>
-            <a:r>
-              <a:rPr lang="en-US" dirty="0" smtClean="0"/>
-              <a:t>circuitry.</a:t>
+              <a:t>voltage step up/down circuitry.</a:t>
             </a:r>
             <a:endParaRPr lang="en-US" dirty="0"/>
           </a:p>
@@ -7018,7 +6973,6 @@
               <a:rPr lang="en-US" dirty="0" smtClean="0"/>
               <a:t>and build speaker casing.</a:t>
             </a:r>
-            <a:endParaRPr lang="en-US" dirty="0" smtClean="0"/>
           </a:p>
           <a:p>
             <a:endParaRPr lang="en-US" dirty="0"/>
@@ -12666,7 +12620,7 @@
           <a:graphicData uri="http://schemas.openxmlformats.org/presentationml/2006/ole">
             <mc:AlternateContent xmlns:mc="http://schemas.openxmlformats.org/markup-compatibility/2006">
               <mc:Choice xmlns:v="urn:schemas-microsoft-com:vml" Requires="v">
-                <p:oleObj spid="_x0000_s4104" name="Acrobat Document" r:id="rId3" imgW="5829298" imgH="7543753" progId="AcroExch.Document.7">
+                <p:oleObj spid="_x0000_s4105" name="Acrobat Document" r:id="rId3" imgW="5829298" imgH="7543753" progId="AcroExch.Document.7">
                   <p:embed/>
                 </p:oleObj>
               </mc:Choice>
@@ -13277,11 +13231,7 @@
           <a:p>
             <a:r>
               <a:rPr lang="en-US" dirty="0" smtClean="0"/>
-              <a:t>2. Design </a:t>
-            </a:r>
-            <a:r>
-              <a:rPr lang="en-US" dirty="0" smtClean="0"/>
-              <a:t>Goals </a:t>
+              <a:t>2. Design Goals </a:t>
             </a:r>
             <a:br>
               <a:rPr lang="en-US" dirty="0" smtClean="0"/>
@@ -13324,34 +13274,13 @@
           <a:p>
             <a:r>
               <a:rPr lang="en-US" sz="2000" dirty="0" smtClean="0"/>
-              <a:t>The system shall output audio </a:t>
-            </a:r>
+              <a:t>The system shall output audio selected from Bluetooth-capable devices to two speaker drivers.</a:t>
+            </a:r>
+          </a:p>
+          <a:p>
             <a:r>
               <a:rPr lang="en-US" sz="2000" dirty="0" smtClean="0"/>
-              <a:t>selected </a:t>
-            </a:r>
-            <a:r>
-              <a:rPr lang="en-US" sz="2000" dirty="0" smtClean="0"/>
-              <a:t>from Bluetooth-capable </a:t>
-            </a:r>
-            <a:r>
-              <a:rPr lang="en-US" sz="2000" dirty="0" smtClean="0"/>
-              <a:t>devices to two speaker drivers.</a:t>
-            </a:r>
-            <a:endParaRPr lang="en-US" sz="2000" dirty="0" smtClean="0"/>
-          </a:p>
-          <a:p>
-            <a:r>
-              <a:rPr lang="en-US" sz="2000" dirty="0" smtClean="0"/>
-              <a:t>The system shall illuminate three LED strips consisting of 50 </a:t>
-            </a:r>
-            <a:r>
-              <a:rPr lang="en-US" sz="2000" dirty="0" smtClean="0"/>
-              <a:t>LED’s each, </a:t>
-            </a:r>
-            <a:r>
-              <a:rPr lang="en-US" sz="2000" dirty="0" smtClean="0"/>
-              <a:t>in at least three possible colors.</a:t>
+              <a:t>The system shall illuminate three LED strips consisting of 50 LED’s each, in at least three possible colors.</a:t>
             </a:r>
           </a:p>
           <a:p>
@@ -13413,11 +13342,7 @@
           <a:p>
             <a:r>
               <a:rPr lang="en-US" dirty="0" smtClean="0"/>
-              <a:t>2. Performance </a:t>
-            </a:r>
-            <a:r>
-              <a:rPr lang="en-US" dirty="0" smtClean="0"/>
-              <a:t>Parameters</a:t>
+              <a:t>2. Performance Parameters</a:t>
             </a:r>
             <a:br>
               <a:rPr lang="en-US" dirty="0" smtClean="0"/>
@@ -13575,11 +13500,7 @@
                       </a:r>
                       <a:r>
                         <a:rPr lang="en-US" baseline="0" dirty="0" smtClean="0"/>
-                        <a:t> battery needs to be </a:t>
-                      </a:r>
-                      <a:r>
-                        <a:rPr lang="en-US" baseline="0" dirty="0" smtClean="0"/>
-                        <a:t>re-charged</a:t>
+                        <a:t> battery needs to be re-charged</a:t>
                       </a:r>
                       <a:endParaRPr lang="en-US" dirty="0"/>
                     </a:p>
@@ -13954,7 +13875,6 @@
               <a:rPr lang="en-US" dirty="0" smtClean="0"/>
               <a:t>Voltage regulation</a:t>
             </a:r>
-            <a:endParaRPr lang="en-US" dirty="0" smtClean="0"/>
           </a:p>
           <a:p>
             <a:pPr lvl="1"/>
@@ -13976,18 +13896,12 @@
               <a:rPr lang="en-US" dirty="0" smtClean="0"/>
               <a:t>Audio conditioning circuitry</a:t>
             </a:r>
-            <a:endParaRPr lang="en-US" dirty="0" smtClean="0"/>
           </a:p>
           <a:p>
             <a:r>
               <a:rPr lang="en-US" dirty="0" smtClean="0"/>
-              <a:t>To understand how to design and construct a </a:t>
-            </a:r>
-            <a:r>
-              <a:rPr lang="en-US" dirty="0" smtClean="0"/>
-              <a:t>PCB:</a:t>
-            </a:r>
-            <a:endParaRPr lang="en-US" dirty="0" smtClean="0"/>
+              <a:t>To understand how to design and construct a PCB:</a:t>
+            </a:r>
           </a:p>
           <a:p>
             <a:pPr lvl="1"/>
